--- a/让任何人迅速成为大前端开发者.pptx
+++ b/让任何人迅速成为大前端开发者.pptx
@@ -8,7 +8,7 @@
     <p:notesMasterId r:id="rId5"/>
   </p:notesMasterIdLst>
   <p:handoutMasterIdLst>
-    <p:handoutMasterId r:id="rId31"/>
+    <p:handoutMasterId r:id="rId33"/>
   </p:handoutMasterIdLst>
   <p:sldIdLst>
     <p:sldId id="256" r:id="rId3"/>
@@ -38,6 +38,8 @@
     <p:sldId id="281" r:id="rId28"/>
     <p:sldId id="282" r:id="rId29"/>
     <p:sldId id="283" r:id="rId30"/>
+    <p:sldId id="286" r:id="rId31"/>
+    <p:sldId id="287" r:id="rId32"/>
   </p:sldIdLst>
   <p:sldSz cx="9144000" cy="6858000" type="screen4x3"/>
   <p:notesSz cx="7103745" cy="10234295"/>
@@ -1293,15 +1295,7 @@
                 <a:ea typeface="微软雅黑" panose="020B0503020204020204" charset="-122"/>
                 <a:sym typeface="+mn-ea"/>
               </a:rPr>
-              <a:t>业务逻辑</a:t>
-            </a:r>
-            <a:r>
-              <a:rPr lang="zh-CN" altLang="en-US">
-                <a:latin typeface="微软雅黑" panose="020B0503020204020204" charset="-122"/>
-                <a:ea typeface="微软雅黑" panose="020B0503020204020204" charset="-122"/>
-                <a:sym typeface="+mn-ea"/>
-              </a:rPr>
-              <a:t>很复杂，也要求开发者有一定的编码能力。但也仅限于对</a:t>
+              <a:t>业务逻辑很复杂，也要求开发者有一定的编码能力。但也仅限于对</a:t>
             </a:r>
             <a:r>
               <a:rPr lang="en-US" altLang="zh-CN">
@@ -7957,14 +7951,7 @@
                 <a:latin typeface="微软雅黑" panose="020B0503020204020204" charset="-122"/>
                 <a:ea typeface="微软雅黑" panose="020B0503020204020204" charset="-122"/>
               </a:rPr>
-              <a:t>== </a:t>
-            </a:r>
-            <a:r>
-              <a:rPr lang="en-US" altLang="zh-CN">
-                <a:latin typeface="微软雅黑" panose="020B0503020204020204" charset="-122"/>
-                <a:ea typeface="微软雅黑" panose="020B0503020204020204" charset="-122"/>
-              </a:rPr>
-              <a:t>SQL</a:t>
+              <a:t>== SQL</a:t>
             </a:r>
             <a:endParaRPr lang="en-US" altLang="zh-CN">
               <a:latin typeface="微软雅黑" panose="020B0503020204020204" charset="-122"/>
@@ -8039,8 +8026,8 @@
         </p:nvSpPr>
         <p:spPr>
           <a:xfrm>
-            <a:off x="3038475" y="5238115"/>
-            <a:ext cx="3067685" cy="368300"/>
+            <a:off x="3381375" y="5250815"/>
+            <a:ext cx="2381885" cy="368300"/>
           </a:xfrm>
           <a:prstGeom prst="rect">
             <a:avLst/>
@@ -8058,7 +8045,22 @@
                 <a:latin typeface="微软雅黑" panose="020B0503020204020204" charset="-122"/>
                 <a:ea typeface="微软雅黑" panose="020B0503020204020204" charset="-122"/>
               </a:rPr>
-              <a:t>零编码实现 </a:t>
+              <a:t>零编码</a:t>
+            </a:r>
+            <a:r>
+              <a:rPr lang="zh-CN" altLang="en-US">
+                <a:latin typeface="微软雅黑" panose="020B0503020204020204" charset="-122"/>
+                <a:ea typeface="微软雅黑" panose="020B0503020204020204" charset="-122"/>
+                <a:sym typeface="+mn-ea"/>
+              </a:rPr>
+              <a:t>生成</a:t>
+            </a:r>
+            <a:r>
+              <a:rPr lang="zh-CN" altLang="en-US">
+                <a:latin typeface="微软雅黑" panose="020B0503020204020204" charset="-122"/>
+                <a:ea typeface="微软雅黑" panose="020B0503020204020204" charset="-122"/>
+              </a:rPr>
+              <a:t> </a:t>
             </a:r>
             <a:r>
               <a:rPr lang="en-US" altLang="zh-CN">
@@ -8072,7 +8074,7 @@
                 <a:latin typeface="微软雅黑" panose="020B0503020204020204" charset="-122"/>
                 <a:ea typeface="微软雅黑" panose="020B0503020204020204" charset="-122"/>
               </a:rPr>
-              <a:t>服务的生成</a:t>
+              <a:t>服务</a:t>
             </a:r>
             <a:endParaRPr lang="zh-CN" altLang="en-US">
               <a:latin typeface="微软雅黑" panose="020B0503020204020204" charset="-122"/>
@@ -8896,8 +8898,8 @@
         </p:nvSpPr>
         <p:spPr>
           <a:xfrm>
-            <a:off x="2236470" y="4774565"/>
-            <a:ext cx="4670425" cy="521970"/>
+            <a:off x="2769870" y="4787900"/>
+            <a:ext cx="3603625" cy="521970"/>
           </a:xfrm>
           <a:prstGeom prst="rect">
             <a:avLst/>
@@ -8922,7 +8924,36 @@
                 <a:latin typeface="微软雅黑" panose="020B0503020204020204" charset="-122"/>
                 <a:ea typeface="微软雅黑" panose="020B0503020204020204" charset="-122"/>
               </a:rPr>
-              <a:t>零编码实现 </a:t>
+              <a:t>零编码</a:t>
+            </a:r>
+            <a:r>
+              <a:rPr lang="zh-CN" altLang="en-US" sz="2800">
+                <a:effectLst>
+                  <a:outerShdw blurRad="60007" dist="200025" dir="15000000" sy="30000" kx="-1800000" algn="bl" rotWithShape="0">
+                    <a:prstClr val="black">
+                      <a:alpha val="32000"/>
+                    </a:prstClr>
+                  </a:outerShdw>
+                </a:effectLst>
+                <a:latin typeface="微软雅黑" panose="020B0503020204020204" charset="-122"/>
+                <a:ea typeface="微软雅黑" panose="020B0503020204020204" charset="-122"/>
+                <a:sym typeface="+mn-ea"/>
+              </a:rPr>
+              <a:t>生成</a:t>
+            </a:r>
+            <a:r>
+              <a:rPr lang="zh-CN" altLang="en-US" sz="2800">
+                <a:effectLst>
+                  <a:outerShdw blurRad="60007" dist="200025" dir="15000000" sy="30000" kx="-1800000" algn="bl" rotWithShape="0">
+                    <a:prstClr val="black">
+                      <a:alpha val="32000"/>
+                    </a:prstClr>
+                  </a:outerShdw>
+                </a:effectLst>
+                <a:latin typeface="微软雅黑" panose="020B0503020204020204" charset="-122"/>
+                <a:ea typeface="微软雅黑" panose="020B0503020204020204" charset="-122"/>
+              </a:rPr>
+              <a:t> </a:t>
             </a:r>
             <a:r>
               <a:rPr lang="en-US" altLang="zh-CN" sz="2800">
@@ -8950,7 +8981,7 @@
                 <a:latin typeface="微软雅黑" panose="020B0503020204020204" charset="-122"/>
                 <a:ea typeface="微软雅黑" panose="020B0503020204020204" charset="-122"/>
               </a:rPr>
-              <a:t>服务的生成</a:t>
+              <a:t>服务</a:t>
             </a:r>
             <a:endParaRPr lang="zh-CN" altLang="en-US" sz="2800">
               <a:effectLst>
@@ -12871,6 +12902,503 @@
 </p:sld>
 </file>
 
+<file path=ppt/slides/slide28.xml><?xml version="1.0" encoding="utf-8"?>
+<p:sld xmlns:a="http://schemas.openxmlformats.org/drawingml/2006/main" xmlns:r="http://schemas.openxmlformats.org/officeDocument/2006/relationships" xmlns:p="http://schemas.openxmlformats.org/presentationml/2006/main">
+  <p:cSld>
+    <p:spTree>
+      <p:nvGrpSpPr>
+        <p:cNvPr id="1" name=""/>
+        <p:cNvGrpSpPr/>
+        <p:nvPr/>
+      </p:nvGrpSpPr>
+      <p:grpSpPr/>
+      <p:sp>
+        <p:nvSpPr>
+          <p:cNvPr id="2" name="标题 1"/>
+          <p:cNvSpPr>
+            <a:spLocks noGrp="1"/>
+          </p:cNvSpPr>
+          <p:nvPr>
+            <p:ph type="title"/>
+          </p:nvPr>
+        </p:nvSpPr>
+        <p:spPr/>
+        <p:txBody>
+          <a:bodyPr/>
+          <a:p>
+            <a:r>
+              <a:rPr lang="en-US" altLang="zh-CN">
+                <a:latin typeface="微软雅黑" panose="020B0503020204020204" charset="-122"/>
+                <a:ea typeface="微软雅黑" panose="020B0503020204020204" charset="-122"/>
+                <a:sym typeface="+mn-ea"/>
+              </a:rPr>
+              <a:t>Awade</a:t>
+            </a:r>
+            <a:r>
+              <a:rPr lang="zh-CN" altLang="zh-CN">
+                <a:latin typeface="微软雅黑" panose="020B0503020204020204" charset="-122"/>
+                <a:ea typeface="微软雅黑" panose="020B0503020204020204" charset="-122"/>
+                <a:sym typeface="+mn-ea"/>
+              </a:rPr>
+              <a:t> 设计理念</a:t>
+            </a:r>
+            <a:endParaRPr lang="zh-CN" altLang="en-US"/>
+          </a:p>
+        </p:txBody>
+      </p:sp>
+      <p:sp>
+        <p:nvSpPr>
+          <p:cNvPr id="3" name="内容占位符 2"/>
+          <p:cNvSpPr>
+            <a:spLocks noGrp="1"/>
+          </p:cNvSpPr>
+          <p:nvPr>
+            <p:ph idx="1"/>
+          </p:nvPr>
+        </p:nvSpPr>
+        <p:spPr>
+          <a:xfrm>
+            <a:off x="628650" y="1825625"/>
+            <a:ext cx="7886700" cy="4801235"/>
+          </a:xfrm>
+        </p:spPr>
+        <p:txBody>
+          <a:bodyPr>
+            <a:normAutofit fontScale="90000"/>
+          </a:bodyPr>
+          <a:p>
+            <a:r>
+              <a:rPr lang="zh-CN" altLang="en-US">
+                <a:latin typeface="微软雅黑" panose="020B0503020204020204" charset="-122"/>
+                <a:ea typeface="微软雅黑" panose="020B0503020204020204" charset="-122"/>
+                <a:sym typeface="+mn-ea"/>
+              </a:rPr>
+              <a:t>面向组件，而非面向</a:t>
+            </a:r>
+            <a:r>
+              <a:rPr lang="en-US" altLang="zh-CN">
+                <a:latin typeface="微软雅黑" panose="020B0503020204020204" charset="-122"/>
+                <a:ea typeface="微软雅黑" panose="020B0503020204020204" charset="-122"/>
+                <a:sym typeface="+mn-ea"/>
+              </a:rPr>
+              <a:t>DOM</a:t>
+            </a:r>
+            <a:endParaRPr lang="en-US" altLang="zh-CN">
+              <a:latin typeface="微软雅黑" panose="020B0503020204020204" charset="-122"/>
+              <a:ea typeface="微软雅黑" panose="020B0503020204020204" charset="-122"/>
+            </a:endParaRPr>
+          </a:p>
+          <a:p>
+            <a:pPr lvl="1">
+              <a:lnSpc>
+                <a:spcPct val="140000"/>
+              </a:lnSpc>
+            </a:pPr>
+            <a:endParaRPr lang="zh-CN" altLang="en-US" sz="2000">
+              <a:latin typeface="微软雅黑" panose="020B0503020204020204" charset="-122"/>
+              <a:ea typeface="微软雅黑" panose="020B0503020204020204" charset="-122"/>
+              <a:sym typeface="+mn-ea"/>
+            </a:endParaRPr>
+          </a:p>
+          <a:p>
+            <a:pPr lvl="1">
+              <a:lnSpc>
+                <a:spcPct val="140000"/>
+              </a:lnSpc>
+            </a:pPr>
+            <a:r>
+              <a:rPr lang="zh-CN" altLang="en-US" sz="2000">
+                <a:latin typeface="微软雅黑" panose="020B0503020204020204" charset="-122"/>
+                <a:ea typeface="微软雅黑" panose="020B0503020204020204" charset="-122"/>
+                <a:sym typeface="+mn-ea"/>
+              </a:rPr>
+              <a:t>我们认为，</a:t>
+            </a:r>
+            <a:r>
+              <a:rPr lang="en-US" altLang="zh-CN" sz="2000" b="1">
+                <a:latin typeface="微软雅黑" panose="020B0503020204020204" charset="-122"/>
+                <a:ea typeface="微软雅黑" panose="020B0503020204020204" charset="-122"/>
+                <a:sym typeface="+mn-ea"/>
+              </a:rPr>
+              <a:t>HTML+CSS</a:t>
+            </a:r>
+            <a:r>
+              <a:rPr lang="zh-CN" altLang="en-US" sz="2000" b="1">
+                <a:latin typeface="微软雅黑" panose="020B0503020204020204" charset="-122"/>
+                <a:ea typeface="微软雅黑" panose="020B0503020204020204" charset="-122"/>
+                <a:sym typeface="+mn-ea"/>
+              </a:rPr>
+              <a:t>的灵活性和可能性是无法抽象的</a:t>
+            </a:r>
+            <a:r>
+              <a:rPr lang="zh-CN" altLang="en-US" sz="2000">
+                <a:latin typeface="微软雅黑" panose="020B0503020204020204" charset="-122"/>
+                <a:ea typeface="微软雅黑" panose="020B0503020204020204" charset="-122"/>
+                <a:sym typeface="+mn-ea"/>
+              </a:rPr>
+              <a:t>，任何尝试对</a:t>
+            </a:r>
+            <a:r>
+              <a:rPr lang="en-US" altLang="zh-CN" sz="2000">
+                <a:latin typeface="微软雅黑" panose="020B0503020204020204" charset="-122"/>
+                <a:ea typeface="微软雅黑" panose="020B0503020204020204" charset="-122"/>
+                <a:sym typeface="+mn-ea"/>
+              </a:rPr>
+              <a:t>HTML+CSS</a:t>
+            </a:r>
+            <a:r>
+              <a:rPr lang="zh-CN" altLang="en-US" sz="2000">
+                <a:latin typeface="微软雅黑" panose="020B0503020204020204" charset="-122"/>
+                <a:ea typeface="微软雅黑" panose="020B0503020204020204" charset="-122"/>
+                <a:sym typeface="+mn-ea"/>
+              </a:rPr>
+              <a:t>做出抽象的可视化工具必然走入两个死路：一是变得极其复杂，失去了快速</a:t>
+            </a:r>
+            <a:r>
+              <a:rPr lang="en-US" altLang="zh-CN" sz="2000">
+                <a:latin typeface="微软雅黑" panose="020B0503020204020204" charset="-122"/>
+                <a:ea typeface="微软雅黑" panose="020B0503020204020204" charset="-122"/>
+                <a:sym typeface="+mn-ea"/>
+              </a:rPr>
+              <a:t>/</a:t>
+            </a:r>
+            <a:r>
+              <a:rPr lang="zh-CN" altLang="en-US" sz="2000">
+                <a:latin typeface="微软雅黑" panose="020B0503020204020204" charset="-122"/>
+                <a:ea typeface="微软雅黑" panose="020B0503020204020204" charset="-122"/>
+                <a:sym typeface="+mn-ea"/>
+              </a:rPr>
+              <a:t>简单的可视化工具没有任何价值；另一个死路是可用性严重下降，只能当做玩具玩玩。</a:t>
+            </a:r>
+            <a:endParaRPr lang="zh-CN" altLang="en-US" sz="2000">
+              <a:latin typeface="微软雅黑" panose="020B0503020204020204" charset="-122"/>
+              <a:ea typeface="微软雅黑" panose="020B0503020204020204" charset="-122"/>
+              <a:sym typeface="+mn-ea"/>
+            </a:endParaRPr>
+          </a:p>
+          <a:p>
+            <a:pPr lvl="1">
+              <a:lnSpc>
+                <a:spcPct val="140000"/>
+              </a:lnSpc>
+            </a:pPr>
+            <a:r>
+              <a:rPr lang="zh-CN" altLang="en-US" sz="2000">
+                <a:latin typeface="微软雅黑" panose="020B0503020204020204" charset="-122"/>
+                <a:ea typeface="微软雅黑" panose="020B0503020204020204" charset="-122"/>
+                <a:sym typeface="+mn-ea"/>
+              </a:rPr>
+              <a:t>类似</a:t>
+            </a:r>
+            <a:r>
+              <a:rPr lang="en-US" altLang="zh-CN" sz="2000">
+                <a:latin typeface="微软雅黑" panose="020B0503020204020204" charset="-122"/>
+                <a:ea typeface="微软雅黑" panose="020B0503020204020204" charset="-122"/>
+                <a:sym typeface="+mn-ea"/>
+              </a:rPr>
+              <a:t>Jigsaw</a:t>
+            </a:r>
+            <a:r>
+              <a:rPr lang="zh-CN" altLang="en-US" sz="2000">
+                <a:latin typeface="微软雅黑" panose="020B0503020204020204" charset="-122"/>
+                <a:ea typeface="微软雅黑" panose="020B0503020204020204" charset="-122"/>
+                <a:sym typeface="+mn-ea"/>
+              </a:rPr>
+              <a:t>这样的组件集，已经</a:t>
+            </a:r>
+            <a:r>
+              <a:rPr lang="zh-CN" altLang="en-US" sz="2000" b="1">
+                <a:latin typeface="微软雅黑" panose="020B0503020204020204" charset="-122"/>
+                <a:ea typeface="微软雅黑" panose="020B0503020204020204" charset="-122"/>
+                <a:sym typeface="+mn-ea"/>
+              </a:rPr>
+              <a:t>将</a:t>
+            </a:r>
+            <a:r>
+              <a:rPr lang="en-US" altLang="zh-CN" sz="2000" b="1">
+                <a:latin typeface="微软雅黑" panose="020B0503020204020204" charset="-122"/>
+                <a:ea typeface="微软雅黑" panose="020B0503020204020204" charset="-122"/>
+                <a:sym typeface="+mn-ea"/>
+              </a:rPr>
+              <a:t>DOM</a:t>
+            </a:r>
+            <a:r>
+              <a:rPr lang="zh-CN" altLang="en-US" sz="2000" b="1">
+                <a:latin typeface="微软雅黑" panose="020B0503020204020204" charset="-122"/>
+                <a:ea typeface="微软雅黑" panose="020B0503020204020204" charset="-122"/>
+                <a:sym typeface="+mn-ea"/>
+              </a:rPr>
+              <a:t>的细节做了最大程度上的屏蔽，并通过</a:t>
+            </a:r>
+            <a:r>
+              <a:rPr lang="en-US" altLang="zh-CN" sz="2000" b="1">
+                <a:latin typeface="微软雅黑" panose="020B0503020204020204" charset="-122"/>
+                <a:ea typeface="微软雅黑" panose="020B0503020204020204" charset="-122"/>
+                <a:sym typeface="+mn-ea"/>
+              </a:rPr>
+              <a:t>API</a:t>
+            </a:r>
+            <a:r>
+              <a:rPr lang="zh-CN" altLang="en-US" sz="2000" b="1">
+                <a:latin typeface="微软雅黑" panose="020B0503020204020204" charset="-122"/>
+                <a:ea typeface="微软雅黑" panose="020B0503020204020204" charset="-122"/>
+                <a:sym typeface="+mn-ea"/>
+              </a:rPr>
+              <a:t>的方式将少量关键细节暴露出来</a:t>
+            </a:r>
+            <a:r>
+              <a:rPr lang="zh-CN" altLang="en-US" sz="2000">
+                <a:latin typeface="微软雅黑" panose="020B0503020204020204" charset="-122"/>
+                <a:ea typeface="微软雅黑" panose="020B0503020204020204" charset="-122"/>
+                <a:sym typeface="+mn-ea"/>
+              </a:rPr>
+              <a:t>，外部通过操作这些</a:t>
+            </a:r>
+            <a:r>
+              <a:rPr lang="en-US" altLang="zh-CN" sz="2000">
+                <a:latin typeface="微软雅黑" panose="020B0503020204020204" charset="-122"/>
+                <a:ea typeface="微软雅黑" panose="020B0503020204020204" charset="-122"/>
+                <a:sym typeface="+mn-ea"/>
+              </a:rPr>
+              <a:t>API</a:t>
+            </a:r>
+            <a:r>
+              <a:rPr lang="zh-CN" altLang="en-US" sz="2000">
+                <a:latin typeface="微软雅黑" panose="020B0503020204020204" charset="-122"/>
+                <a:ea typeface="微软雅黑" panose="020B0503020204020204" charset="-122"/>
+                <a:sym typeface="+mn-ea"/>
+              </a:rPr>
+              <a:t>来控制组件的行为。对这些</a:t>
+            </a:r>
+            <a:r>
+              <a:rPr lang="en-US" altLang="zh-CN" sz="2000">
+                <a:latin typeface="微软雅黑" panose="020B0503020204020204" charset="-122"/>
+                <a:ea typeface="微软雅黑" panose="020B0503020204020204" charset="-122"/>
+                <a:sym typeface="+mn-ea"/>
+              </a:rPr>
+              <a:t>API</a:t>
+            </a:r>
+            <a:r>
+              <a:rPr lang="zh-CN" altLang="en-US" sz="2000">
+                <a:latin typeface="微软雅黑" panose="020B0503020204020204" charset="-122"/>
+                <a:ea typeface="微软雅黑" panose="020B0503020204020204" charset="-122"/>
+                <a:sym typeface="+mn-ea"/>
+              </a:rPr>
+              <a:t>做抽象则简单许多，</a:t>
+            </a:r>
+            <a:r>
+              <a:rPr lang="en-US" altLang="zh-CN" sz="2000">
+                <a:latin typeface="微软雅黑" panose="020B0503020204020204" charset="-122"/>
+                <a:ea typeface="微软雅黑" panose="020B0503020204020204" charset="-122"/>
+                <a:sym typeface="+mn-ea"/>
+              </a:rPr>
+              <a:t>Awade</a:t>
+            </a:r>
+            <a:r>
+              <a:rPr lang="zh-CN" altLang="en-US" sz="2000">
+                <a:latin typeface="微软雅黑" panose="020B0503020204020204" charset="-122"/>
+                <a:ea typeface="微软雅黑" panose="020B0503020204020204" charset="-122"/>
+                <a:sym typeface="+mn-ea"/>
+              </a:rPr>
+              <a:t>正是在这个层面上做抽象的，这样既避免陷入过多细节，又借助组件的能力提升</a:t>
+            </a:r>
+            <a:r>
+              <a:rPr lang="en-US" altLang="zh-CN" sz="2000">
+                <a:latin typeface="微软雅黑" panose="020B0503020204020204" charset="-122"/>
+                <a:ea typeface="微软雅黑" panose="020B0503020204020204" charset="-122"/>
+                <a:sym typeface="+mn-ea"/>
+              </a:rPr>
+              <a:t>Awade</a:t>
+            </a:r>
+            <a:r>
+              <a:rPr lang="zh-CN" altLang="en-US" sz="2000">
+                <a:latin typeface="微软雅黑" panose="020B0503020204020204" charset="-122"/>
+                <a:ea typeface="微软雅黑" panose="020B0503020204020204" charset="-122"/>
+                <a:sym typeface="+mn-ea"/>
+              </a:rPr>
+              <a:t>自己的可用性。</a:t>
+            </a:r>
+            <a:endParaRPr lang="zh-CN" altLang="en-US" sz="2000">
+              <a:latin typeface="微软雅黑" panose="020B0503020204020204" charset="-122"/>
+              <a:ea typeface="微软雅黑" panose="020B0503020204020204" charset="-122"/>
+              <a:sym typeface="+mn-ea"/>
+            </a:endParaRPr>
+          </a:p>
+        </p:txBody>
+      </p:sp>
+    </p:spTree>
+  </p:cSld>
+  <p:clrMapOvr>
+    <a:masterClrMapping/>
+  </p:clrMapOvr>
+</p:sld>
+</file>
+
+<file path=ppt/slides/slide29.xml><?xml version="1.0" encoding="utf-8"?>
+<p:sld xmlns:a="http://schemas.openxmlformats.org/drawingml/2006/main" xmlns:r="http://schemas.openxmlformats.org/officeDocument/2006/relationships" xmlns:p="http://schemas.openxmlformats.org/presentationml/2006/main">
+  <p:cSld>
+    <p:spTree>
+      <p:nvGrpSpPr>
+        <p:cNvPr id="1" name=""/>
+        <p:cNvGrpSpPr/>
+        <p:nvPr/>
+      </p:nvGrpSpPr>
+      <p:grpSpPr/>
+      <p:sp>
+        <p:nvSpPr>
+          <p:cNvPr id="2" name="标题 1"/>
+          <p:cNvSpPr>
+            <a:spLocks noGrp="1"/>
+          </p:cNvSpPr>
+          <p:nvPr>
+            <p:ph type="title"/>
+          </p:nvPr>
+        </p:nvSpPr>
+        <p:spPr/>
+        <p:txBody>
+          <a:bodyPr/>
+          <a:p>
+            <a:r>
+              <a:rPr lang="en-US" altLang="zh-CN">
+                <a:latin typeface="微软雅黑" panose="020B0503020204020204" charset="-122"/>
+                <a:ea typeface="微软雅黑" panose="020B0503020204020204" charset="-122"/>
+                <a:sym typeface="+mn-ea"/>
+              </a:rPr>
+              <a:t>Awade</a:t>
+            </a:r>
+            <a:r>
+              <a:rPr lang="zh-CN" altLang="zh-CN">
+                <a:latin typeface="微软雅黑" panose="020B0503020204020204" charset="-122"/>
+                <a:ea typeface="微软雅黑" panose="020B0503020204020204" charset="-122"/>
+                <a:sym typeface="+mn-ea"/>
+              </a:rPr>
+              <a:t> 设计理念</a:t>
+            </a:r>
+            <a:endParaRPr lang="zh-CN" altLang="en-US"/>
+          </a:p>
+        </p:txBody>
+      </p:sp>
+      <p:sp>
+        <p:nvSpPr>
+          <p:cNvPr id="3" name="内容占位符 2"/>
+          <p:cNvSpPr>
+            <a:spLocks noGrp="1"/>
+          </p:cNvSpPr>
+          <p:nvPr>
+            <p:ph idx="1"/>
+          </p:nvPr>
+        </p:nvSpPr>
+        <p:spPr>
+          <a:xfrm>
+            <a:off x="628650" y="1825625"/>
+            <a:ext cx="7886700" cy="4801235"/>
+          </a:xfrm>
+        </p:spPr>
+        <p:txBody>
+          <a:bodyPr>
+            <a:normAutofit/>
+          </a:bodyPr>
+          <a:p>
+            <a:pPr>
+              <a:lnSpc>
+                <a:spcPct val="110000"/>
+              </a:lnSpc>
+            </a:pPr>
+            <a:r>
+              <a:rPr lang="zh-CN" altLang="en-US">
+                <a:latin typeface="微软雅黑" panose="020B0503020204020204" charset="-122"/>
+                <a:ea typeface="微软雅黑" panose="020B0503020204020204" charset="-122"/>
+              </a:rPr>
+              <a:t>拥抱市面上所有组件集；</a:t>
+            </a:r>
+            <a:endParaRPr lang="zh-CN" altLang="en-US">
+              <a:latin typeface="微软雅黑" panose="020B0503020204020204" charset="-122"/>
+              <a:ea typeface="微软雅黑" panose="020B0503020204020204" charset="-122"/>
+            </a:endParaRPr>
+          </a:p>
+          <a:p>
+            <a:pPr>
+              <a:lnSpc>
+                <a:spcPct val="110000"/>
+              </a:lnSpc>
+            </a:pPr>
+            <a:r>
+              <a:rPr lang="en-US" altLang="zh-CN">
+                <a:latin typeface="微软雅黑" panose="020B0503020204020204" charset="-122"/>
+                <a:ea typeface="微软雅黑" panose="020B0503020204020204" charset="-122"/>
+              </a:rPr>
+              <a:t>Jigsaw</a:t>
+            </a:r>
+            <a:r>
+              <a:rPr lang="zh-CN" altLang="en-US">
+                <a:latin typeface="微软雅黑" panose="020B0503020204020204" charset="-122"/>
+                <a:ea typeface="微软雅黑" panose="020B0503020204020204" charset="-122"/>
+              </a:rPr>
+              <a:t>只是默认的，并非不可替代；</a:t>
+            </a:r>
+            <a:endParaRPr lang="zh-CN" altLang="en-US">
+              <a:latin typeface="微软雅黑" panose="020B0503020204020204" charset="-122"/>
+              <a:ea typeface="微软雅黑" panose="020B0503020204020204" charset="-122"/>
+            </a:endParaRPr>
+          </a:p>
+          <a:p>
+            <a:pPr>
+              <a:lnSpc>
+                <a:spcPct val="110000"/>
+              </a:lnSpc>
+            </a:pPr>
+            <a:r>
+              <a:rPr lang="en-US" altLang="zh-CN" sz="2800">
+                <a:latin typeface="微软雅黑" panose="020B0503020204020204" charset="-122"/>
+                <a:ea typeface="微软雅黑" panose="020B0503020204020204" charset="-122"/>
+                <a:sym typeface="+mn-ea"/>
+              </a:rPr>
+              <a:t>我们在Awade与组件集之间加入了一层meta，它是任何组件用法与功能的抽象，是组件与Awade之间的纽带</a:t>
+            </a:r>
+            <a:r>
+              <a:rPr lang="zh-CN" altLang="en-US" sz="2800">
+                <a:latin typeface="微软雅黑" panose="020B0503020204020204" charset="-122"/>
+                <a:ea typeface="微软雅黑" panose="020B0503020204020204" charset="-122"/>
+                <a:sym typeface="+mn-ea"/>
+              </a:rPr>
+              <a:t>；</a:t>
+            </a:r>
+            <a:endParaRPr lang="en-US" altLang="zh-CN" sz="2800">
+              <a:latin typeface="微软雅黑" panose="020B0503020204020204" charset="-122"/>
+              <a:ea typeface="微软雅黑" panose="020B0503020204020204" charset="-122"/>
+              <a:sym typeface="+mn-ea"/>
+            </a:endParaRPr>
+          </a:p>
+          <a:p>
+            <a:pPr lvl="0" algn="l">
+              <a:lnSpc>
+                <a:spcPct val="110000"/>
+              </a:lnSpc>
+            </a:pPr>
+            <a:r>
+              <a:rPr lang="zh-CN" altLang="en-US" sz="2800">
+                <a:latin typeface="微软雅黑" panose="020B0503020204020204" charset="-122"/>
+                <a:ea typeface="微软雅黑" panose="020B0503020204020204" charset="-122"/>
+                <a:sym typeface="+mn-ea"/>
+              </a:rPr>
+              <a:t>凡是有正确meta的组件，都可以被Awade识别和使用；</a:t>
+            </a:r>
+            <a:endParaRPr lang="zh-CN" altLang="en-US" sz="2800">
+              <a:latin typeface="微软雅黑" panose="020B0503020204020204" charset="-122"/>
+              <a:ea typeface="微软雅黑" panose="020B0503020204020204" charset="-122"/>
+              <a:sym typeface="+mn-ea"/>
+            </a:endParaRPr>
+          </a:p>
+        </p:txBody>
+      </p:sp>
+    </p:spTree>
+  </p:cSld>
+  <p:clrMapOvr>
+    <a:masterClrMapping/>
+  </p:clrMapOvr>
+</p:sld>
+</file>
+
 <file path=ppt/slides/slide3.xml><?xml version="1.0" encoding="utf-8"?>
 <p:sld xmlns:a="http://schemas.openxmlformats.org/drawingml/2006/main" xmlns:r="http://schemas.openxmlformats.org/officeDocument/2006/relationships" xmlns:p="http://schemas.openxmlformats.org/presentationml/2006/main">
   <p:cSld>
@@ -14269,18 +14797,7 @@
                 <a:ea typeface="微软雅黑" panose="020B0503020204020204" charset="-122"/>
                 <a:sym typeface="+mn-ea"/>
               </a:rPr>
-              <a:t>统一的</a:t>
-            </a:r>
-            <a:r>
-              <a:rPr lang="zh-CN" altLang="en-US">
-                <a:solidFill>
-                  <a:srgbClr val="FF0000"/>
-                </a:solidFill>
-                <a:latin typeface="微软雅黑" panose="020B0503020204020204" charset="-122"/>
-                <a:ea typeface="微软雅黑" panose="020B0503020204020204" charset="-122"/>
-                <a:sym typeface="+mn-ea"/>
-              </a:rPr>
-              <a:t>技术栈</a:t>
+              <a:t>统一的技术栈</a:t>
             </a:r>
             <a:endParaRPr lang="zh-CN" altLang="en-US">
               <a:solidFill>
@@ -14994,15 +15511,7 @@
                 <a:ea typeface="微软雅黑" panose="020B0503020204020204" charset="-122"/>
                 <a:cs typeface="微软雅黑" panose="020B0503020204020204" charset="-122"/>
               </a:rPr>
-              <a:t>妹子们</a:t>
-            </a:r>
-            <a:r>
-              <a:rPr lang="zh-CN" altLang="en-US">
-                <a:latin typeface="微软雅黑" panose="020B0503020204020204" charset="-122"/>
-                <a:ea typeface="微软雅黑" panose="020B0503020204020204" charset="-122"/>
-                <a:cs typeface="微软雅黑" panose="020B0503020204020204" charset="-122"/>
-              </a:rPr>
-              <a:t>不再需要与所有团队对接</a:t>
+              <a:t>妹子们不再需要与所有团队对接</a:t>
             </a:r>
             <a:endParaRPr lang="zh-CN" altLang="en-US">
               <a:latin typeface="微软雅黑" panose="020B0503020204020204" charset="-122"/>
